--- a/PPT/第02讲_层次分析法.pptx
+++ b/PPT/第02讲_层次分析法.pptx
@@ -252,7 +252,7 @@
           <a:p>
             <a:fld id="{7F25A8C7-CC1A-4A08-9B4B-31F43B054C7F}" type="datetimeFigureOut">
               <a:rPr lang="zh-CN" altLang="en-US" smtClean="0"/>
-              <a:t>2022/3/27</a:t>
+              <a:t>2022/4/2</a:t>
             </a:fld>
             <a:endParaRPr lang="zh-CN" altLang="en-US"/>
           </a:p>
@@ -905,7 +905,7 @@
           <a:p>
             <a:fld id="{D997B5FA-0921-464F-AAE1-844C04324D75}" type="datetimeFigureOut">
               <a:rPr lang="zh-CN" altLang="en-US" smtClean="0"/>
-              <a:t>2022/3/27</a:t>
+              <a:t>2022/4/2</a:t>
             </a:fld>
             <a:endParaRPr lang="zh-CN" altLang="en-US" dirty="0"/>
           </a:p>
@@ -1022,7 +1022,7 @@
           <a:p>
             <a:fld id="{760FBDFE-C587-4B4C-A407-44438C67B59E}" type="datetimeFigureOut">
               <a:rPr lang="zh-CN" altLang="en-US" smtClean="0"/>
-              <a:t>2022/3/27</a:t>
+              <a:t>2022/4/2</a:t>
             </a:fld>
             <a:endParaRPr lang="zh-CN" altLang="en-US"/>
           </a:p>
@@ -1294,7 +1294,7 @@
           <a:p>
             <a:fld id="{760FBDFE-C587-4B4C-A407-44438C67B59E}" type="datetimeFigureOut">
               <a:rPr lang="zh-CN" altLang="en-US" smtClean="0"/>
-              <a:t>2022/3/27</a:t>
+              <a:t>2022/4/2</a:t>
             </a:fld>
             <a:endParaRPr lang="zh-CN" altLang="en-US" dirty="0"/>
           </a:p>
@@ -1411,7 +1411,7 @@
           <a:p>
             <a:fld id="{20DD7636-5BE1-44BC-BB5F-15739D9E18E1}" type="datetimeFigureOut">
               <a:rPr lang="zh-CN" altLang="en-US" smtClean="0"/>
-              <a:t>2022/3/27</a:t>
+              <a:t>2022/4/2</a:t>
             </a:fld>
             <a:endParaRPr lang="zh-CN" altLang="en-US"/>
           </a:p>
@@ -1700,7 +1700,7 @@
           <a:p>
             <a:fld id="{760FBDFE-C587-4B4C-A407-44438C67B59E}" type="datetimeFigureOut">
               <a:rPr lang="zh-CN" altLang="en-US" smtClean="0"/>
-              <a:t>2022/3/27</a:t>
+              <a:t>2022/4/2</a:t>
             </a:fld>
             <a:endParaRPr lang="zh-CN" altLang="en-US"/>
           </a:p>
@@ -2086,7 +2086,7 @@
           <a:p>
             <a:fld id="{760FBDFE-C587-4B4C-A407-44438C67B59E}" type="datetimeFigureOut">
               <a:rPr lang="zh-CN" altLang="en-US" smtClean="0"/>
-              <a:t>2022/3/27</a:t>
+              <a:t>2022/4/2</a:t>
             </a:fld>
             <a:endParaRPr lang="zh-CN" altLang="en-US"/>
           </a:p>
@@ -2240,7 +2240,7 @@
           <a:p>
             <a:fld id="{20DD7636-5BE1-44BC-BB5F-15739D9E18E1}" type="datetimeFigureOut">
               <a:rPr lang="zh-CN" altLang="en-US" smtClean="0"/>
-              <a:t>2022/3/27</a:t>
+              <a:t>2022/4/2</a:t>
             </a:fld>
             <a:endParaRPr lang="zh-CN" altLang="en-US"/>
           </a:p>
@@ -2396,7 +2396,7 @@
           <a:p>
             <a:fld id="{760FBDFE-C587-4B4C-A407-44438C67B59E}" type="datetimeFigureOut">
               <a:rPr lang="zh-CN" altLang="en-US" smtClean="0"/>
-              <a:t>2022/3/27</a:t>
+              <a:t>2022/4/2</a:t>
             </a:fld>
             <a:endParaRPr lang="zh-CN" altLang="en-US"/>
           </a:p>
@@ -2674,7 +2674,7 @@
           <a:p>
             <a:fld id="{9EFD9D74-47D9-4702-A33C-335B63B48DBF}" type="datetimeFigureOut">
               <a:rPr lang="zh-CN" altLang="en-US" smtClean="0"/>
-              <a:t>2022/3/27</a:t>
+              <a:t>2022/4/2</a:t>
             </a:fld>
             <a:endParaRPr lang="zh-CN" altLang="en-US" dirty="0"/>
           </a:p>
@@ -2880,7 +2880,7 @@
           <a:p>
             <a:fld id="{760FBDFE-C587-4B4C-A407-44438C67B59E}" type="datetimeFigureOut">
               <a:rPr lang="zh-CN" altLang="en-US" smtClean="0"/>
-              <a:t>2022/3/27</a:t>
+              <a:t>2022/4/2</a:t>
             </a:fld>
             <a:endParaRPr lang="zh-CN" altLang="en-US"/>
           </a:p>
@@ -7859,8 +7859,8 @@
           <a:chExt cx="0" cy="0"/>
         </a:xfrm>
       </p:grpSpPr>
-      <mc:AlternateContent xmlns:mc="http://schemas.openxmlformats.org/markup-compatibility/2006" xmlns:a14="http://schemas.microsoft.com/office/drawing/2010/main">
-        <mc:Choice Requires="a14">
+      <mc:AlternateContent xmlns:mc="http://schemas.openxmlformats.org/markup-compatibility/2006">
+        <mc:Choice xmlns:a14="http://schemas.microsoft.com/office/drawing/2010/main" Requires="a14">
           <p:sp>
             <p:nvSpPr>
               <p:cNvPr id="3" name="内容占位符 2">
@@ -7957,7 +7957,7 @@
                     <a:latin typeface="Adobe 宋体 Std L" panose="02020300000000000000" pitchFamily="18" charset="-122"/>
                     <a:ea typeface="Adobe 宋体 Std L" panose="02020300000000000000" pitchFamily="18" charset="-122"/>
                   </a:rPr>
-                  <a:t>                                                                                                                        </a:t>
+                  <a:t>                                                                                                                               </a:t>
                 </a:r>
                 <a:r>
                   <a:rPr lang="en-US" altLang="zh-CN" dirty="0">
@@ -8103,7 +8103,7 @@
             </p:txBody>
           </p:sp>
         </mc:Choice>
-        <mc:Fallback xmlns="">
+        <mc:Fallback>
           <p:sp>
             <p:nvSpPr>
               <p:cNvPr id="3" name="内容占位符 2">
@@ -8149,66 +8149,6 @@
       </mc:AlternateContent>
       <p:pic>
         <p:nvPicPr>
-          <p:cNvPr id="4098" name="Picture 2">
-            <a:extLst>
-              <a:ext uri="{FF2B5EF4-FFF2-40B4-BE49-F238E27FC236}">
-                <a16:creationId xmlns:a16="http://schemas.microsoft.com/office/drawing/2014/main" id="{D5164139-9405-4DAE-9C1C-293115043230}"/>
-              </a:ext>
-            </a:extLst>
-          </p:cNvPr>
-          <p:cNvPicPr>
-            <a:picLocks noChangeAspect="1" noChangeArrowheads="1"/>
-          </p:cNvPicPr>
-          <p:nvPr/>
-        </p:nvPicPr>
-        <p:blipFill>
-          <a:blip r:embed="rId3" cstate="print">
-            <a:extLst>
-              <a:ext uri="{28A0092B-C50C-407E-A947-70E740481C1C}">
-                <a14:useLocalDpi xmlns:a14="http://schemas.microsoft.com/office/drawing/2010/main" val="0"/>
-              </a:ext>
-            </a:extLst>
-          </a:blip>
-          <a:srcRect/>
-          <a:stretch>
-            <a:fillRect/>
-          </a:stretch>
-        </p:blipFill>
-        <p:spPr bwMode="auto">
-          <a:xfrm>
-            <a:off x="5264674" y="1222590"/>
-            <a:ext cx="1307214" cy="739374"/>
-          </a:xfrm>
-          <a:prstGeom prst="rect">
-            <a:avLst/>
-          </a:prstGeom>
-          <a:noFill/>
-          <a:ln>
-            <a:noFill/>
-          </a:ln>
-          <a:extLst>
-            <a:ext uri="{909E8E84-426E-40DD-AFC4-6F175D3DCCD1}">
-              <a14:hiddenFill xmlns:a14="http://schemas.microsoft.com/office/drawing/2010/main">
-                <a:solidFill>
-                  <a:srgbClr val="FFFFFF"/>
-                </a:solidFill>
-              </a14:hiddenFill>
-            </a:ext>
-            <a:ext uri="{91240B29-F687-4F45-9708-019B960494DF}">
-              <a14:hiddenLine xmlns:a14="http://schemas.microsoft.com/office/drawing/2010/main" w="9525">
-                <a:solidFill>
-                  <a:srgbClr val="000000"/>
-                </a:solidFill>
-                <a:miter lim="800000"/>
-                <a:headEnd/>
-                <a:tailEnd/>
-              </a14:hiddenLine>
-            </a:ext>
-          </a:extLst>
-        </p:spPr>
-      </p:pic>
-      <p:pic>
-        <p:nvPicPr>
           <p:cNvPr id="6" name="图片 5">
             <a:extLst>
               <a:ext uri="{FF2B5EF4-FFF2-40B4-BE49-F238E27FC236}">
@@ -8222,7 +8162,7 @@
           <p:nvPr/>
         </p:nvPicPr>
         <p:blipFill>
-          <a:blip r:embed="rId4"/>
+          <a:blip r:embed="rId3"/>
           <a:stretch>
             <a:fillRect/>
           </a:stretch>
@@ -8237,6 +8177,69 @@
           </a:prstGeom>
         </p:spPr>
       </p:pic>
+      <p:graphicFrame>
+        <p:nvGraphicFramePr>
+          <p:cNvPr id="2" name="对象 1">
+            <a:extLst>
+              <a:ext uri="{FF2B5EF4-FFF2-40B4-BE49-F238E27FC236}">
+                <a16:creationId xmlns:a16="http://schemas.microsoft.com/office/drawing/2014/main" id="{3C7BC20C-B9EC-4F39-9879-F46ACA182264}"/>
+              </a:ext>
+            </a:extLst>
+          </p:cNvPr>
+          <p:cNvGraphicFramePr>
+            <a:graphicFrameLocks noChangeAspect="1"/>
+          </p:cNvGraphicFramePr>
+          <p:nvPr>
+            <p:extLst>
+              <p:ext uri="{D42A27DB-BD31-4B8C-83A1-F6EECF244321}">
+                <p14:modId xmlns:p14="http://schemas.microsoft.com/office/powerpoint/2010/main" val="411025480"/>
+              </p:ext>
+            </p:extLst>
+          </p:nvPr>
+        </p:nvGraphicFramePr>
+        <p:xfrm>
+          <a:off x="4822717" y="1286032"/>
+          <a:ext cx="1561603" cy="728748"/>
+        </p:xfrm>
+        <a:graphic>
+          <a:graphicData uri="http://schemas.openxmlformats.org/presentationml/2006/ole">
+            <mc:AlternateContent xmlns:mc="http://schemas.openxmlformats.org/markup-compatibility/2006">
+              <mc:Choice xmlns:v="urn:schemas-microsoft-com:vml" Requires="v">
+                <p:oleObj name="Equation" r:id="rId4" imgW="856792" imgH="399946" progId="Equation.DSMT4">
+                  <p:embed/>
+                </p:oleObj>
+              </mc:Choice>
+              <mc:Fallback>
+                <p:oleObj name="Equation" r:id="rId4" imgW="856792" imgH="399946" progId="Equation.DSMT4">
+                  <p:embed/>
+                  <p:pic>
+                    <p:nvPicPr>
+                      <p:cNvPr id="0" name=""/>
+                      <p:cNvPicPr/>
+                      <p:nvPr/>
+                    </p:nvPicPr>
+                    <p:blipFill>
+                      <a:blip r:embed="rId5"/>
+                      <a:stretch>
+                        <a:fillRect/>
+                      </a:stretch>
+                    </p:blipFill>
+                    <p:spPr>
+                      <a:xfrm>
+                        <a:off x="4822717" y="1286032"/>
+                        <a:ext cx="1561603" cy="728748"/>
+                      </a:xfrm>
+                      <a:prstGeom prst="rect">
+                        <a:avLst/>
+                      </a:prstGeom>
+                    </p:spPr>
+                  </p:pic>
+                </p:oleObj>
+              </mc:Fallback>
+            </mc:AlternateContent>
+          </a:graphicData>
+        </a:graphic>
+      </p:graphicFrame>
     </p:spTree>
     <p:extLst>
       <p:ext uri="{BB962C8B-B14F-4D97-AF65-F5344CB8AC3E}">
@@ -8419,7 +8422,14 @@
                         <a:latin typeface="Cambria Math" panose="02040503050406030204" pitchFamily="18" charset="0"/>
                         <a:ea typeface="Adobe 宋体 Std L" panose="02020300000000000000" pitchFamily="18" charset="-122"/>
                       </a:rPr>
-                      <m:t>𝐶𝐼</m:t>
+                      <m:t>𝐶</m:t>
+                    </m:r>
+                    <m:r>
+                      <a:rPr lang="en-US" altLang="zh-CN" i="1">
+                        <a:latin typeface="Cambria Math" panose="02040503050406030204" pitchFamily="18" charset="0"/>
+                        <a:ea typeface="Adobe 宋体 Std L" panose="02020300000000000000" pitchFamily="18" charset="-122"/>
+                      </a:rPr>
+                      <m:t>𝑅</m:t>
                     </m:r>
                     <m:r>
                       <a:rPr lang="en-US" altLang="zh-CN" b="0" i="1" smtClean="0">
@@ -13165,7 +13175,15 @@
             </a:pPr>
             <a:r>
               <a:rPr lang="zh-CN" altLang="en-US" dirty="0"/>
-              <a:t>第三步，对 做归一化，得到权向量：</a:t>
+              <a:t>第三步，对 </a:t>
+            </a:r>
+            <a:r>
+              <a:rPr lang="en-US" altLang="zh-CN" dirty="0"/>
+              <a:t>W</a:t>
+            </a:r>
+            <a:r>
+              <a:rPr lang="zh-CN" altLang="en-US" dirty="0"/>
+              <a:t> 做归一化，得到权向量：</a:t>
             </a:r>
           </a:p>
           <a:p>

--- a/PPT/第02讲_层次分析法.pptx
+++ b/PPT/第02讲_层次分析法.pptx
@@ -5,7 +5,7 @@
     <p:sldMasterId id="2147483648" r:id="rId1"/>
   </p:sldMasterIdLst>
   <p:notesMasterIdLst>
-    <p:notesMasterId r:id="rId47"/>
+    <p:notesMasterId r:id="rId46"/>
   </p:notesMasterIdLst>
   <p:sldIdLst>
     <p:sldId id="256" r:id="rId2"/>
@@ -52,7 +52,6 @@
     <p:sldId id="364" r:id="rId43"/>
     <p:sldId id="365" r:id="rId44"/>
     <p:sldId id="366" r:id="rId45"/>
-    <p:sldId id="280" r:id="rId46"/>
   </p:sldIdLst>
   <p:sldSz cx="12192000" cy="6858000"/>
   <p:notesSz cx="6858000" cy="9144000"/>
@@ -252,7 +251,7 @@
           <a:p>
             <a:fld id="{7F25A8C7-CC1A-4A08-9B4B-31F43B054C7F}" type="datetimeFigureOut">
               <a:rPr lang="zh-CN" altLang="en-US" smtClean="0"/>
-              <a:t>2022/4/2</a:t>
+              <a:t>2022/10/11</a:t>
             </a:fld>
             <a:endParaRPr lang="zh-CN" altLang="en-US"/>
           </a:p>
@@ -643,130 +642,6 @@
 </p:notes>
 </file>
 
-<file path=ppt/notesSlides/notesSlide2.xml><?xml version="1.0" encoding="utf-8"?>
-<p:notes xmlns:a="http://schemas.openxmlformats.org/drawingml/2006/main" xmlns:r="http://schemas.openxmlformats.org/officeDocument/2006/relationships" xmlns:p="http://schemas.openxmlformats.org/presentationml/2006/main">
-  <p:cSld>
-    <p:spTree>
-      <p:nvGrpSpPr>
-        <p:cNvPr id="1" name=""/>
-        <p:cNvGrpSpPr/>
-        <p:nvPr/>
-      </p:nvGrpSpPr>
-      <p:grpSpPr>
-        <a:xfrm>
-          <a:off x="0" y="0"/>
-          <a:ext cx="0" cy="0"/>
-          <a:chOff x="0" y="0"/>
-          <a:chExt cx="0" cy="0"/>
-        </a:xfrm>
-      </p:grpSpPr>
-      <p:sp>
-        <p:nvSpPr>
-          <p:cNvPr id="2" name="幻灯片图像占位符 1"/>
-          <p:cNvSpPr>
-            <a:spLocks noGrp="1" noRot="1" noChangeAspect="1"/>
-          </p:cNvSpPr>
-          <p:nvPr>
-            <p:ph type="sldImg"/>
-          </p:nvPr>
-        </p:nvSpPr>
-        <p:spPr/>
-      </p:sp>
-      <p:sp>
-        <p:nvSpPr>
-          <p:cNvPr id="3" name="备注占位符 2"/>
-          <p:cNvSpPr>
-            <a:spLocks noGrp="1"/>
-          </p:cNvSpPr>
-          <p:nvPr>
-            <p:ph type="body" idx="1"/>
-          </p:nvPr>
-        </p:nvSpPr>
-        <p:spPr/>
-        <p:txBody>
-          <a:bodyPr/>
-          <a:lstStyle/>
-          <a:p>
-            <a:endParaRPr lang="zh-CN" altLang="en-US"/>
-          </a:p>
-        </p:txBody>
-      </p:sp>
-      <p:sp>
-        <p:nvSpPr>
-          <p:cNvPr id="4" name="灯片编号占位符 3"/>
-          <p:cNvSpPr>
-            <a:spLocks noGrp="1"/>
-          </p:cNvSpPr>
-          <p:nvPr>
-            <p:ph type="sldNum" sz="quarter" idx="10"/>
-          </p:nvPr>
-        </p:nvSpPr>
-        <p:spPr/>
-        <p:txBody>
-          <a:bodyPr/>
-          <a:lstStyle/>
-          <a:p>
-            <a:pPr marL="0" marR="0" lvl="0" indent="0" algn="r" defTabSz="914400" eaLnBrk="0" fontAlgn="base" latinLnBrk="0" hangingPunct="0">
-              <a:lnSpc>
-                <a:spcPct val="100000"/>
-              </a:lnSpc>
-              <a:spcBef>
-                <a:spcPct val="0"/>
-              </a:spcBef>
-              <a:spcAft>
-                <a:spcPct val="0"/>
-              </a:spcAft>
-              <a:buClrTx/>
-              <a:buSzTx/>
-              <a:buFontTx/>
-              <a:buNone/>
-              <a:defRPr/>
-            </a:pPr>
-            <a:fld id="{39AD698A-D66C-4FA1-BBD8-F72AE9E6E751}" type="slidenum">
-              <a:rPr kumimoji="0" lang="zh-CN" altLang="en-US" sz="1200" b="0" i="0" u="none" strike="noStrike" kern="1200" cap="none" spc="0" normalizeH="0" baseline="0" noProof="0" smtClean="0">
-                <a:ln>
-                  <a:noFill/>
-                </a:ln>
-                <a:solidFill>
-                  <a:prstClr val="black"/>
-                </a:solidFill>
-                <a:effectLst/>
-                <a:uLnTx/>
-                <a:uFillTx/>
-                <a:latin typeface="Calibri" panose="020F0502020204030204" pitchFamily="34" charset="0"/>
-                <a:ea typeface="微软雅黑" panose="020B0503020204020204" pitchFamily="34" charset="-122"/>
-              </a:rPr>
-              <a:t>45</a:t>
-            </a:fld>
-            <a:endParaRPr kumimoji="0" lang="zh-CN" altLang="en-US" sz="1200" b="0" i="0" u="none" strike="noStrike" kern="1200" cap="none" spc="0" normalizeH="0" baseline="0" noProof="0">
-              <a:ln>
-                <a:noFill/>
-              </a:ln>
-              <a:solidFill>
-                <a:prstClr val="black"/>
-              </a:solidFill>
-              <a:effectLst/>
-              <a:uLnTx/>
-              <a:uFillTx/>
-              <a:latin typeface="Calibri" panose="020F0502020204030204" pitchFamily="34" charset="0"/>
-              <a:ea typeface="微软雅黑" panose="020B0503020204020204" pitchFamily="34" charset="-122"/>
-            </a:endParaRPr>
-          </a:p>
-        </p:txBody>
-      </p:sp>
-    </p:spTree>
-    <p:extLst>
-      <p:ext uri="{BB962C8B-B14F-4D97-AF65-F5344CB8AC3E}">
-        <p14:creationId xmlns:p14="http://schemas.microsoft.com/office/powerpoint/2010/main" val="1356546177"/>
-      </p:ext>
-    </p:extLst>
-  </p:cSld>
-  <p:clrMapOvr>
-    <a:masterClrMapping/>
-  </p:clrMapOvr>
-</p:notes>
-</file>
-
 <file path=ppt/slideLayouts/slideLayout1.xml><?xml version="1.0" encoding="utf-8"?>
 <p:sldLayout xmlns:a="http://schemas.openxmlformats.org/drawingml/2006/main" xmlns:r="http://schemas.openxmlformats.org/officeDocument/2006/relationships" xmlns:p="http://schemas.openxmlformats.org/presentationml/2006/main" type="title" preserve="1">
   <p:cSld name="标题幻灯片">
@@ -905,7 +780,7 @@
           <a:p>
             <a:fld id="{D997B5FA-0921-464F-AAE1-844C04324D75}" type="datetimeFigureOut">
               <a:rPr lang="zh-CN" altLang="en-US" smtClean="0"/>
-              <a:t>2022/4/2</a:t>
+              <a:t>2022/10/11</a:t>
             </a:fld>
             <a:endParaRPr lang="zh-CN" altLang="en-US" dirty="0"/>
           </a:p>
@@ -1022,7 +897,7 @@
           <a:p>
             <a:fld id="{760FBDFE-C587-4B4C-A407-44438C67B59E}" type="datetimeFigureOut">
               <a:rPr lang="zh-CN" altLang="en-US" smtClean="0"/>
-              <a:t>2022/4/2</a:t>
+              <a:t>2022/10/11</a:t>
             </a:fld>
             <a:endParaRPr lang="zh-CN" altLang="en-US"/>
           </a:p>
@@ -1294,7 +1169,7 @@
           <a:p>
             <a:fld id="{760FBDFE-C587-4B4C-A407-44438C67B59E}" type="datetimeFigureOut">
               <a:rPr lang="zh-CN" altLang="en-US" smtClean="0"/>
-              <a:t>2022/4/2</a:t>
+              <a:t>2022/10/11</a:t>
             </a:fld>
             <a:endParaRPr lang="zh-CN" altLang="en-US" dirty="0"/>
           </a:p>
@@ -1411,7 +1286,7 @@
           <a:p>
             <a:fld id="{20DD7636-5BE1-44BC-BB5F-15739D9E18E1}" type="datetimeFigureOut">
               <a:rPr lang="zh-CN" altLang="en-US" smtClean="0"/>
-              <a:t>2022/4/2</a:t>
+              <a:t>2022/10/11</a:t>
             </a:fld>
             <a:endParaRPr lang="zh-CN" altLang="en-US"/>
           </a:p>
@@ -1700,7 +1575,7 @@
           <a:p>
             <a:fld id="{760FBDFE-C587-4B4C-A407-44438C67B59E}" type="datetimeFigureOut">
               <a:rPr lang="zh-CN" altLang="en-US" smtClean="0"/>
-              <a:t>2022/4/2</a:t>
+              <a:t>2022/10/11</a:t>
             </a:fld>
             <a:endParaRPr lang="zh-CN" altLang="en-US"/>
           </a:p>
@@ -2086,7 +1961,7 @@
           <a:p>
             <a:fld id="{760FBDFE-C587-4B4C-A407-44438C67B59E}" type="datetimeFigureOut">
               <a:rPr lang="zh-CN" altLang="en-US" smtClean="0"/>
-              <a:t>2022/4/2</a:t>
+              <a:t>2022/10/11</a:t>
             </a:fld>
             <a:endParaRPr lang="zh-CN" altLang="en-US"/>
           </a:p>
@@ -2240,7 +2115,7 @@
           <a:p>
             <a:fld id="{20DD7636-5BE1-44BC-BB5F-15739D9E18E1}" type="datetimeFigureOut">
               <a:rPr lang="zh-CN" altLang="en-US" smtClean="0"/>
-              <a:t>2022/4/2</a:t>
+              <a:t>2022/10/11</a:t>
             </a:fld>
             <a:endParaRPr lang="zh-CN" altLang="en-US"/>
           </a:p>
@@ -2396,7 +2271,7 @@
           <a:p>
             <a:fld id="{760FBDFE-C587-4B4C-A407-44438C67B59E}" type="datetimeFigureOut">
               <a:rPr lang="zh-CN" altLang="en-US" smtClean="0"/>
-              <a:t>2022/4/2</a:t>
+              <a:t>2022/10/11</a:t>
             </a:fld>
             <a:endParaRPr lang="zh-CN" altLang="en-US"/>
           </a:p>
@@ -2674,7 +2549,7 @@
           <a:p>
             <a:fld id="{9EFD9D74-47D9-4702-A33C-335B63B48DBF}" type="datetimeFigureOut">
               <a:rPr lang="zh-CN" altLang="en-US" smtClean="0"/>
-              <a:t>2022/4/2</a:t>
+              <a:t>2022/10/11</a:t>
             </a:fld>
             <a:endParaRPr lang="zh-CN" altLang="en-US" dirty="0"/>
           </a:p>
@@ -2880,7 +2755,7 @@
           <a:p>
             <a:fld id="{760FBDFE-C587-4B4C-A407-44438C67B59E}" type="datetimeFigureOut">
               <a:rPr lang="zh-CN" altLang="en-US" smtClean="0"/>
-              <a:t>2022/4/2</a:t>
+              <a:t>2022/10/11</a:t>
             </a:fld>
             <a:endParaRPr lang="zh-CN" altLang="en-US"/>
           </a:p>
@@ -3896,7 +3771,7 @@
         </p:blipFill>
         <p:spPr>
           <a:xfrm>
-            <a:off x="-91359" y="1165"/>
+            <a:off x="-101600" y="32043"/>
             <a:ext cx="12293600" cy="6915150"/>
           </a:xfrm>
           <a:prstGeom prst="rect">
@@ -3912,8 +3787,8 @@
         </p:nvSpPr>
         <p:spPr>
           <a:xfrm>
-            <a:off x="6349365" y="1848485"/>
-            <a:ext cx="2864485" cy="3115945"/>
+            <a:off x="6349365" y="2070567"/>
+            <a:ext cx="2864485" cy="2893863"/>
           </a:xfrm>
           <a:prstGeom prst="ellipse">
             <a:avLst/>
@@ -3960,8 +3835,8 @@
         </p:nvSpPr>
         <p:spPr>
           <a:xfrm>
-            <a:off x="1680524" y="1476221"/>
-            <a:ext cx="8830951" cy="1323439"/>
+            <a:off x="2642870" y="1935013"/>
+            <a:ext cx="8830951" cy="923330"/>
           </a:xfrm>
           <a:prstGeom prst="rect">
             <a:avLst/>
@@ -3975,7 +3850,7 @@
           <a:lstStyle/>
           <a:p>
             <a:r>
-              <a:rPr lang="zh-CN" altLang="en-US" sz="8000" dirty="0">
+              <a:rPr lang="zh-CN" altLang="en-US" sz="5400" dirty="0">
                 <a:solidFill>
                   <a:srgbClr val="C00000"/>
                 </a:solidFill>
@@ -3985,7 +3860,7 @@
               <a:t>第</a:t>
             </a:r>
             <a:r>
-              <a:rPr lang="en-US" altLang="zh-CN" sz="8000" dirty="0">
+              <a:rPr lang="en-US" altLang="zh-CN" sz="5400" dirty="0">
                 <a:solidFill>
                   <a:srgbClr val="C00000"/>
                 </a:solidFill>
@@ -3995,7 +3870,7 @@
               <a:t>02</a:t>
             </a:r>
             <a:r>
-              <a:rPr lang="zh-CN" altLang="en-US" sz="8000" dirty="0">
+              <a:rPr lang="zh-CN" altLang="en-US" sz="5400" dirty="0">
                 <a:solidFill>
                   <a:srgbClr val="C00000"/>
                 </a:solidFill>
@@ -4206,8 +4081,8 @@
         </p:nvSpPr>
         <p:spPr>
           <a:xfrm>
-            <a:off x="-1211580" y="-1113155"/>
-            <a:ext cx="2864485" cy="3115945"/>
+            <a:off x="55799" y="124519"/>
+            <a:ext cx="2864485" cy="2821882"/>
           </a:xfrm>
           <a:prstGeom prst="ellipse">
             <a:avLst/>
@@ -4254,8 +4129,8 @@
         </p:nvSpPr>
         <p:spPr>
           <a:xfrm>
-            <a:off x="10217785" y="5241290"/>
-            <a:ext cx="2864485" cy="3115945"/>
+            <a:off x="9232069" y="3934691"/>
+            <a:ext cx="2864485" cy="2890402"/>
           </a:xfrm>
           <a:prstGeom prst="ellipse">
             <a:avLst/>
@@ -4404,8 +4279,8 @@
         </p:nvSpPr>
         <p:spPr>
           <a:xfrm>
-            <a:off x="4865883" y="3596532"/>
-            <a:ext cx="2492990" cy="1015663"/>
+            <a:off x="5157281" y="3733167"/>
+            <a:ext cx="1877437" cy="769441"/>
           </a:xfrm>
           <a:prstGeom prst="rect">
             <a:avLst/>
@@ -4419,7 +4294,7 @@
           <a:lstStyle/>
           <a:p>
             <a:r>
-              <a:rPr lang="zh-CN" altLang="en-US" sz="6000" dirty="0">
+              <a:rPr lang="zh-CN" altLang="en-US" sz="4400" dirty="0">
                 <a:solidFill>
                   <a:srgbClr val="C00000"/>
                 </a:solidFill>
@@ -4427,6 +4302,77 @@
                 <a:ea typeface="华文楷体" panose="02010600040101010101" pitchFamily="2" charset="-122"/>
               </a:rPr>
               <a:t>张敬信</a:t>
+            </a:r>
+          </a:p>
+        </p:txBody>
+      </p:sp>
+      <p:sp>
+        <p:nvSpPr>
+          <p:cNvPr id="7" name="文本框 6">
+            <a:extLst>
+              <a:ext uri="{FF2B5EF4-FFF2-40B4-BE49-F238E27FC236}">
+                <a16:creationId xmlns:a16="http://schemas.microsoft.com/office/drawing/2014/main" id="{D4742C39-71B3-BFD1-11B1-E10770E6C1A1}"/>
+              </a:ext>
+            </a:extLst>
+          </p:cNvPr>
+          <p:cNvSpPr txBox="1"/>
+          <p:nvPr/>
+        </p:nvSpPr>
+        <p:spPr>
+          <a:xfrm>
+            <a:off x="450850" y="717559"/>
+            <a:ext cx="7058343" cy="461665"/>
+          </a:xfrm>
+          <a:prstGeom prst="rect">
+            <a:avLst/>
+          </a:prstGeom>
+          <a:noFill/>
+        </p:spPr>
+        <p:txBody>
+          <a:bodyPr wrap="none" rtlCol="0">
+            <a:spAutoFit/>
+          </a:bodyPr>
+          <a:lstStyle/>
+          <a:p>
+            <a:r>
+              <a:rPr lang="zh-CN" altLang="en-US" sz="2400" dirty="0">
+                <a:solidFill>
+                  <a:srgbClr val="C00000"/>
+                </a:solidFill>
+              </a:rPr>
+              <a:t>张敬信</a:t>
+            </a:r>
+            <a:r>
+              <a:rPr lang="en-US" altLang="zh-CN" sz="2400" dirty="0">
+                <a:solidFill>
+                  <a:srgbClr val="C00000"/>
+                </a:solidFill>
+              </a:rPr>
+              <a:t>-《</a:t>
+            </a:r>
+            <a:r>
+              <a:rPr lang="zh-CN" altLang="en-US" sz="2400" dirty="0">
+                <a:solidFill>
+                  <a:srgbClr val="C00000"/>
+                </a:solidFill>
+              </a:rPr>
+              <a:t>数学建模：算法与编程实现</a:t>
+            </a:r>
+            <a:r>
+              <a:rPr lang="en-US" altLang="zh-CN" sz="2400" dirty="0">
+                <a:solidFill>
+                  <a:srgbClr val="C00000"/>
+                </a:solidFill>
+              </a:rPr>
+              <a:t>》</a:t>
+            </a:r>
+            <a:r>
+              <a:rPr lang="zh-CN" altLang="en-US" sz="2400" dirty="0">
+                <a:solidFill>
+                  <a:srgbClr val="C00000"/>
+                </a:solidFill>
+              </a:rPr>
+              <a:t>，配套课件</a:t>
             </a:r>
           </a:p>
         </p:txBody>
@@ -7859,8 +7805,8 @@
           <a:chExt cx="0" cy="0"/>
         </a:xfrm>
       </p:grpSpPr>
-      <mc:AlternateContent xmlns:mc="http://schemas.openxmlformats.org/markup-compatibility/2006">
-        <mc:Choice xmlns:a14="http://schemas.microsoft.com/office/drawing/2010/main" Requires="a14">
+      <mc:AlternateContent xmlns:mc="http://schemas.openxmlformats.org/markup-compatibility/2006" xmlns:a14="http://schemas.microsoft.com/office/drawing/2010/main">
+        <mc:Choice Requires="a14">
           <p:sp>
             <p:nvSpPr>
               <p:cNvPr id="3" name="内容占位符 2">
@@ -8103,7 +8049,7 @@
             </p:txBody>
           </p:sp>
         </mc:Choice>
-        <mc:Fallback>
+        <mc:Fallback xmlns="">
           <p:sp>
             <p:nvSpPr>
               <p:cNvPr id="3" name="内容占位符 2">
@@ -8463,7 +8409,21 @@
                     <a:latin typeface="Adobe 宋体 Std L" panose="02020300000000000000" pitchFamily="18" charset="-122"/>
                     <a:ea typeface="Adobe 宋体 Std L" panose="02020300000000000000" pitchFamily="18" charset="-122"/>
                   </a:rPr>
-                  <a:t> 的不一致程度在容许范围内，可用其归一化的特征向量  作为权向量，否则需要重新调整判断矩阵 。</a:t>
+                  <a:t> 的不一致程度在容许范围内，可用其归一化的特征向量</a:t>
+                </a:r>
+                <a:r>
+                  <a:rPr lang="en-US" altLang="zh-CN" i="1" dirty="0">
+                    <a:latin typeface="Cambria Math" panose="02040503050406030204" pitchFamily="18" charset="0"/>
+                    <a:ea typeface="Adobe 宋体 Std L" panose="02020300000000000000" pitchFamily="18" charset="-122"/>
+                  </a:rPr>
+                  <a:t>W </a:t>
+                </a:r>
+                <a:r>
+                  <a:rPr lang="zh-CN" altLang="en-US" dirty="0">
+                    <a:latin typeface="Adobe 宋体 Std L" panose="02020300000000000000" pitchFamily="18" charset="-122"/>
+                    <a:ea typeface="Adobe 宋体 Std L" panose="02020300000000000000" pitchFamily="18" charset="-122"/>
+                  </a:rPr>
+                  <a:t>作为权向量，否则需要重新调整判断矩阵 。</a:t>
                 </a:r>
               </a:p>
               <a:p>
@@ -9536,11 +9496,11 @@
                       </m:e>
                       <m:sub>
                         <m:r>
-                          <a:rPr lang="en-US" altLang="zh-CN" i="1">
+                          <a:rPr lang="en-US" altLang="zh-CN" b="0" i="1" smtClean="0">
                             <a:latin typeface="Cambria Math" panose="02040503050406030204" pitchFamily="18" charset="0"/>
                             <a:ea typeface="Adobe 宋体 Std L" panose="02020300000000000000" pitchFamily="18" charset="-122"/>
                           </a:rPr>
-                          <m:t>𝑖𝑗</m:t>
+                          <m:t>21</m:t>
                         </m:r>
                       </m:sub>
                     </m:sSub>
@@ -20367,961 +20327,6 @@
 </p:sld>
 </file>
 
-<file path=ppt/slides/slide45.xml><?xml version="1.0" encoding="utf-8"?>
-<p:sld xmlns:a="http://schemas.openxmlformats.org/drawingml/2006/main" xmlns:r="http://schemas.openxmlformats.org/officeDocument/2006/relationships" xmlns:p="http://schemas.openxmlformats.org/presentationml/2006/main">
-  <p:cSld>
-    <p:spTree>
-      <p:nvGrpSpPr>
-        <p:cNvPr id="1" name=""/>
-        <p:cNvGrpSpPr/>
-        <p:nvPr/>
-      </p:nvGrpSpPr>
-      <p:grpSpPr>
-        <a:xfrm>
-          <a:off x="0" y="0"/>
-          <a:ext cx="0" cy="0"/>
-          <a:chOff x="0" y="0"/>
-          <a:chExt cx="0" cy="0"/>
-        </a:xfrm>
-      </p:grpSpPr>
-      <p:pic>
-        <p:nvPicPr>
-          <p:cNvPr id="6" name="图片 5"/>
-          <p:cNvPicPr>
-            <a:picLocks noChangeAspect="1"/>
-          </p:cNvPicPr>
-          <p:nvPr/>
-        </p:nvPicPr>
-        <p:blipFill>
-          <a:blip r:embed="rId4">
-            <a:extLst>
-              <a:ext uri="{28A0092B-C50C-407E-A947-70E740481C1C}">
-                <a14:useLocalDpi xmlns:a14="http://schemas.microsoft.com/office/drawing/2010/main"/>
-              </a:ext>
-            </a:extLst>
-          </a:blip>
-          <a:stretch>
-            <a:fillRect/>
-          </a:stretch>
-        </p:blipFill>
-        <p:spPr>
-          <a:xfrm>
-            <a:off x="-50800" y="-22225"/>
-            <a:ext cx="12293600" cy="6915150"/>
-          </a:xfrm>
-          <a:prstGeom prst="rect">
-            <a:avLst/>
-          </a:prstGeom>
-        </p:spPr>
-      </p:pic>
-      <p:sp>
-        <p:nvSpPr>
-          <p:cNvPr id="15" name="椭圆 14"/>
-          <p:cNvSpPr/>
-          <p:nvPr/>
-        </p:nvSpPr>
-        <p:spPr>
-          <a:xfrm>
-            <a:off x="6349365" y="1848485"/>
-            <a:ext cx="2864485" cy="3115945"/>
-          </a:xfrm>
-          <a:prstGeom prst="ellipse">
-            <a:avLst/>
-          </a:prstGeom>
-          <a:solidFill>
-            <a:srgbClr val="C0C9BE">
-              <a:alpha val="72000"/>
-            </a:srgbClr>
-          </a:solidFill>
-          <a:ln>
-            <a:noFill/>
-          </a:ln>
-        </p:spPr>
-        <p:style>
-          <a:lnRef idx="2">
-            <a:schemeClr val="accent1">
-              <a:shade val="50000"/>
-            </a:schemeClr>
-          </a:lnRef>
-          <a:fillRef idx="1">
-            <a:schemeClr val="accent1"/>
-          </a:fillRef>
-          <a:effectRef idx="0">
-            <a:schemeClr val="accent1"/>
-          </a:effectRef>
-          <a:fontRef idx="minor">
-            <a:schemeClr val="lt1"/>
-          </a:fontRef>
-        </p:style>
-        <p:txBody>
-          <a:bodyPr rtlCol="0" anchor="ctr"/>
-          <a:lstStyle/>
-          <a:p>
-            <a:pPr algn="ctr"/>
-            <a:endParaRPr lang="zh-CN" altLang="en-US"/>
-          </a:p>
-        </p:txBody>
-      </p:sp>
-      <p:sp>
-        <p:nvSpPr>
-          <p:cNvPr id="18" name="文本框 17"/>
-          <p:cNvSpPr txBox="1"/>
-          <p:nvPr/>
-        </p:nvSpPr>
-        <p:spPr>
-          <a:xfrm>
-            <a:off x="3589647" y="2899421"/>
-            <a:ext cx="6806104" cy="1569660"/>
-          </a:xfrm>
-          <a:prstGeom prst="rect">
-            <a:avLst/>
-          </a:prstGeom>
-          <a:noFill/>
-        </p:spPr>
-        <p:txBody>
-          <a:bodyPr wrap="square" rtlCol="0">
-            <a:spAutoFit/>
-          </a:bodyPr>
-          <a:lstStyle/>
-          <a:p>
-            <a:r>
-              <a:rPr lang="zh-CN" altLang="en-US" sz="9600" dirty="0">
-                <a:latin typeface="仿宋" panose="02010609060101010101" pitchFamily="49" charset="-122"/>
-                <a:ea typeface="仿宋" panose="02010609060101010101" pitchFamily="49" charset="-122"/>
-              </a:rPr>
-              <a:t>感谢聆听！</a:t>
-            </a:r>
-          </a:p>
-        </p:txBody>
-      </p:sp>
-      <p:cxnSp>
-        <p:nvCxnSpPr>
-          <p:cNvPr id="10" name="直接连接符 9"/>
-          <p:cNvCxnSpPr/>
-          <p:nvPr/>
-        </p:nvCxnSpPr>
-        <p:spPr>
-          <a:xfrm flipH="1">
-            <a:off x="6604635" y="394970"/>
-            <a:ext cx="1694815" cy="1607820"/>
-          </a:xfrm>
-          <a:prstGeom prst="line">
-            <a:avLst/>
-          </a:prstGeom>
-          <a:ln>
-            <a:solidFill>
-              <a:srgbClr val="90A08D"/>
-            </a:solidFill>
-            <a:prstDash val="solid"/>
-          </a:ln>
-        </p:spPr>
-        <p:style>
-          <a:lnRef idx="1">
-            <a:schemeClr val="accent1"/>
-          </a:lnRef>
-          <a:fillRef idx="0">
-            <a:schemeClr val="accent1"/>
-          </a:fillRef>
-          <a:effectRef idx="0">
-            <a:schemeClr val="accent1"/>
-          </a:effectRef>
-          <a:fontRef idx="minor">
-            <a:schemeClr val="tx1"/>
-          </a:fontRef>
-        </p:style>
-      </p:cxnSp>
-      <p:cxnSp>
-        <p:nvCxnSpPr>
-          <p:cNvPr id="11" name="直接连接符 10"/>
-          <p:cNvCxnSpPr/>
-          <p:nvPr/>
-        </p:nvCxnSpPr>
-        <p:spPr>
-          <a:xfrm flipH="1">
-            <a:off x="6934200" y="4993640"/>
-            <a:ext cx="1694815" cy="1607820"/>
-          </a:xfrm>
-          <a:prstGeom prst="line">
-            <a:avLst/>
-          </a:prstGeom>
-          <a:ln>
-            <a:solidFill>
-              <a:srgbClr val="90A08D"/>
-            </a:solidFill>
-            <a:prstDash val="solid"/>
-          </a:ln>
-        </p:spPr>
-        <p:style>
-          <a:lnRef idx="1">
-            <a:schemeClr val="accent1"/>
-          </a:lnRef>
-          <a:fillRef idx="0">
-            <a:schemeClr val="accent1"/>
-          </a:fillRef>
-          <a:effectRef idx="0">
-            <a:schemeClr val="accent1"/>
-          </a:effectRef>
-          <a:fontRef idx="minor">
-            <a:schemeClr val="tx1"/>
-          </a:fontRef>
-        </p:style>
-      </p:cxnSp>
-      <p:cxnSp>
-        <p:nvCxnSpPr>
-          <p:cNvPr id="12" name="直接连接符 11"/>
-          <p:cNvCxnSpPr/>
-          <p:nvPr/>
-        </p:nvCxnSpPr>
-        <p:spPr>
-          <a:xfrm flipH="1">
-            <a:off x="6826885" y="5362575"/>
-            <a:ext cx="1694815" cy="1607820"/>
-          </a:xfrm>
-          <a:prstGeom prst="line">
-            <a:avLst/>
-          </a:prstGeom>
-          <a:ln>
-            <a:solidFill>
-              <a:srgbClr val="90A08D"/>
-            </a:solidFill>
-            <a:prstDash val="solid"/>
-          </a:ln>
-        </p:spPr>
-        <p:style>
-          <a:lnRef idx="1">
-            <a:schemeClr val="accent1"/>
-          </a:lnRef>
-          <a:fillRef idx="0">
-            <a:schemeClr val="accent1"/>
-          </a:fillRef>
-          <a:effectRef idx="0">
-            <a:schemeClr val="accent1"/>
-          </a:effectRef>
-          <a:fontRef idx="minor">
-            <a:schemeClr val="tx1"/>
-          </a:fontRef>
-        </p:style>
-      </p:cxnSp>
-      <p:cxnSp>
-        <p:nvCxnSpPr>
-          <p:cNvPr id="13" name="直接连接符 12"/>
-          <p:cNvCxnSpPr/>
-          <p:nvPr/>
-        </p:nvCxnSpPr>
-        <p:spPr>
-          <a:xfrm flipH="1">
-            <a:off x="6823075" y="-22225"/>
-            <a:ext cx="1694815" cy="1607820"/>
-          </a:xfrm>
-          <a:prstGeom prst="line">
-            <a:avLst/>
-          </a:prstGeom>
-          <a:ln>
-            <a:solidFill>
-              <a:srgbClr val="90A08D"/>
-            </a:solidFill>
-            <a:prstDash val="solid"/>
-          </a:ln>
-        </p:spPr>
-        <p:style>
-          <a:lnRef idx="1">
-            <a:schemeClr val="accent1"/>
-          </a:lnRef>
-          <a:fillRef idx="0">
-            <a:schemeClr val="accent1"/>
-          </a:fillRef>
-          <a:effectRef idx="0">
-            <a:schemeClr val="accent1"/>
-          </a:effectRef>
-          <a:fontRef idx="minor">
-            <a:schemeClr val="tx1"/>
-          </a:fontRef>
-        </p:style>
-      </p:cxnSp>
-      <p:sp>
-        <p:nvSpPr>
-          <p:cNvPr id="2" name="椭圆 1"/>
-          <p:cNvSpPr/>
-          <p:nvPr/>
-        </p:nvSpPr>
-        <p:spPr>
-          <a:xfrm>
-            <a:off x="6684645" y="2002790"/>
-            <a:ext cx="2864485" cy="3115945"/>
-          </a:xfrm>
-          <a:prstGeom prst="ellipse">
-            <a:avLst/>
-          </a:prstGeom>
-          <a:noFill/>
-          <a:ln>
-            <a:solidFill>
-              <a:srgbClr val="90A08D"/>
-            </a:solidFill>
-            <a:prstDash val="lgDashDot"/>
-          </a:ln>
-        </p:spPr>
-        <p:style>
-          <a:lnRef idx="2">
-            <a:schemeClr val="accent1">
-              <a:shade val="50000"/>
-            </a:schemeClr>
-          </a:lnRef>
-          <a:fillRef idx="1">
-            <a:schemeClr val="accent1"/>
-          </a:fillRef>
-          <a:effectRef idx="0">
-            <a:schemeClr val="accent1"/>
-          </a:effectRef>
-          <a:fontRef idx="minor">
-            <a:schemeClr val="lt1"/>
-          </a:fontRef>
-        </p:style>
-        <p:txBody>
-          <a:bodyPr rtlCol="0" anchor="ctr"/>
-          <a:lstStyle/>
-          <a:p>
-            <a:pPr algn="ctr"/>
-            <a:endParaRPr lang="zh-CN" altLang="en-US"/>
-          </a:p>
-        </p:txBody>
-      </p:sp>
-    </p:spTree>
-    <p:custDataLst>
-      <p:tags r:id="rId1"/>
-    </p:custDataLst>
-  </p:cSld>
-  <p:clrMapOvr>
-    <a:masterClrMapping/>
-  </p:clrMapOvr>
-  <p:transition spd="slow">
-    <p:random/>
-  </p:transition>
-  <p:timing>
-    <p:tnLst>
-      <p:par>
-        <p:cTn id="1" dur="indefinite" restart="never" nodeType="tmRoot">
-          <p:childTnLst>
-            <p:seq concurrent="1" nextAc="seek">
-              <p:cTn id="2" dur="indefinite" nodeType="mainSeq">
-                <p:childTnLst>
-                  <p:par>
-                    <p:cTn id="3" fill="hold">
-                      <p:stCondLst>
-                        <p:cond delay="indefinite"/>
-                        <p:cond evt="onBegin" delay="0">
-                          <p:tn val="2"/>
-                        </p:cond>
-                      </p:stCondLst>
-                      <p:childTnLst>
-                        <p:par>
-                          <p:cTn id="4" fill="hold">
-                            <p:stCondLst>
-                              <p:cond delay="0"/>
-                            </p:stCondLst>
-                            <p:childTnLst>
-                              <p:par>
-                                <p:cTn id="5" presetID="42" presetClass="entr" presetSubtype="0" fill="hold" grpId="0" nodeType="afterEffect">
-                                  <p:stCondLst>
-                                    <p:cond delay="0"/>
-                                  </p:stCondLst>
-                                  <p:childTnLst>
-                                    <p:set>
-                                      <p:cBhvr>
-                                        <p:cTn id="6" dur="1" fill="hold">
-                                          <p:stCondLst>
-                                            <p:cond delay="0"/>
-                                          </p:stCondLst>
-                                        </p:cTn>
-                                        <p:tgtEl>
-                                          <p:spTgt spid="15"/>
-                                        </p:tgtEl>
-                                        <p:attrNameLst>
-                                          <p:attrName>style.visibility</p:attrName>
-                                        </p:attrNameLst>
-                                      </p:cBhvr>
-                                      <p:to>
-                                        <p:strVal val="visible"/>
-                                      </p:to>
-                                    </p:set>
-                                    <p:animEffect transition="in" filter="fade">
-                                      <p:cBhvr>
-                                        <p:cTn id="7" dur="1000"/>
-                                        <p:tgtEl>
-                                          <p:spTgt spid="15"/>
-                                        </p:tgtEl>
-                                      </p:cBhvr>
-                                    </p:animEffect>
-                                    <p:anim calcmode="lin" valueType="num">
-                                      <p:cBhvr>
-                                        <p:cTn id="8" dur="1000" fill="hold"/>
-                                        <p:tgtEl>
-                                          <p:spTgt spid="15"/>
-                                        </p:tgtEl>
-                                        <p:attrNameLst>
-                                          <p:attrName>ppt_x</p:attrName>
-                                        </p:attrNameLst>
-                                      </p:cBhvr>
-                                      <p:tavLst>
-                                        <p:tav tm="0">
-                                          <p:val>
-                                            <p:strVal val="#ppt_x"/>
-                                          </p:val>
-                                        </p:tav>
-                                        <p:tav tm="100000">
-                                          <p:val>
-                                            <p:strVal val="#ppt_x"/>
-                                          </p:val>
-                                        </p:tav>
-                                      </p:tavLst>
-                                    </p:anim>
-                                    <p:anim calcmode="lin" valueType="num">
-                                      <p:cBhvr>
-                                        <p:cTn id="9" dur="1000" fill="hold"/>
-                                        <p:tgtEl>
-                                          <p:spTgt spid="15"/>
-                                        </p:tgtEl>
-                                        <p:attrNameLst>
-                                          <p:attrName>ppt_y</p:attrName>
-                                        </p:attrNameLst>
-                                      </p:cBhvr>
-                                      <p:tavLst>
-                                        <p:tav tm="0">
-                                          <p:val>
-                                            <p:strVal val="#ppt_y+.1"/>
-                                          </p:val>
-                                        </p:tav>
-                                        <p:tav tm="100000">
-                                          <p:val>
-                                            <p:strVal val="#ppt_y"/>
-                                          </p:val>
-                                        </p:tav>
-                                      </p:tavLst>
-                                    </p:anim>
-                                  </p:childTnLst>
-                                </p:cTn>
-                              </p:par>
-                              <p:par>
-                                <p:cTn id="10" presetID="42" presetClass="entr" presetSubtype="0" fill="hold" grpId="0" nodeType="withEffect">
-                                  <p:stCondLst>
-                                    <p:cond delay="0"/>
-                                  </p:stCondLst>
-                                  <p:childTnLst>
-                                    <p:set>
-                                      <p:cBhvr>
-                                        <p:cTn id="11" dur="1" fill="hold">
-                                          <p:stCondLst>
-                                            <p:cond delay="0"/>
-                                          </p:stCondLst>
-                                        </p:cTn>
-                                        <p:tgtEl>
-                                          <p:spTgt spid="18"/>
-                                        </p:tgtEl>
-                                        <p:attrNameLst>
-                                          <p:attrName>style.visibility</p:attrName>
-                                        </p:attrNameLst>
-                                      </p:cBhvr>
-                                      <p:to>
-                                        <p:strVal val="visible"/>
-                                      </p:to>
-                                    </p:set>
-                                    <p:animEffect transition="in" filter="fade">
-                                      <p:cBhvr>
-                                        <p:cTn id="12" dur="1000"/>
-                                        <p:tgtEl>
-                                          <p:spTgt spid="18"/>
-                                        </p:tgtEl>
-                                      </p:cBhvr>
-                                    </p:animEffect>
-                                    <p:anim calcmode="lin" valueType="num">
-                                      <p:cBhvr>
-                                        <p:cTn id="13" dur="1000" fill="hold"/>
-                                        <p:tgtEl>
-                                          <p:spTgt spid="18"/>
-                                        </p:tgtEl>
-                                        <p:attrNameLst>
-                                          <p:attrName>ppt_x</p:attrName>
-                                        </p:attrNameLst>
-                                      </p:cBhvr>
-                                      <p:tavLst>
-                                        <p:tav tm="0">
-                                          <p:val>
-                                            <p:strVal val="#ppt_x"/>
-                                          </p:val>
-                                        </p:tav>
-                                        <p:tav tm="100000">
-                                          <p:val>
-                                            <p:strVal val="#ppt_x"/>
-                                          </p:val>
-                                        </p:tav>
-                                      </p:tavLst>
-                                    </p:anim>
-                                    <p:anim calcmode="lin" valueType="num">
-                                      <p:cBhvr>
-                                        <p:cTn id="14" dur="1000" fill="hold"/>
-                                        <p:tgtEl>
-                                          <p:spTgt spid="18"/>
-                                        </p:tgtEl>
-                                        <p:attrNameLst>
-                                          <p:attrName>ppt_y</p:attrName>
-                                        </p:attrNameLst>
-                                      </p:cBhvr>
-                                      <p:tavLst>
-                                        <p:tav tm="0">
-                                          <p:val>
-                                            <p:strVal val="#ppt_y+.1"/>
-                                          </p:val>
-                                        </p:tav>
-                                        <p:tav tm="100000">
-                                          <p:val>
-                                            <p:strVal val="#ppt_y"/>
-                                          </p:val>
-                                        </p:tav>
-                                      </p:tavLst>
-                                    </p:anim>
-                                  </p:childTnLst>
-                                </p:cTn>
-                              </p:par>
-                              <p:par>
-                                <p:cTn id="15" presetID="42" presetClass="entr" presetSubtype="0" fill="hold" nodeType="withEffect">
-                                  <p:stCondLst>
-                                    <p:cond delay="0"/>
-                                  </p:stCondLst>
-                                  <p:childTnLst>
-                                    <p:set>
-                                      <p:cBhvr>
-                                        <p:cTn id="16" dur="1" fill="hold">
-                                          <p:stCondLst>
-                                            <p:cond delay="0"/>
-                                          </p:stCondLst>
-                                        </p:cTn>
-                                        <p:tgtEl>
-                                          <p:spTgt spid="10"/>
-                                        </p:tgtEl>
-                                        <p:attrNameLst>
-                                          <p:attrName>style.visibility</p:attrName>
-                                        </p:attrNameLst>
-                                      </p:cBhvr>
-                                      <p:to>
-                                        <p:strVal val="visible"/>
-                                      </p:to>
-                                    </p:set>
-                                    <p:animEffect transition="in" filter="fade">
-                                      <p:cBhvr>
-                                        <p:cTn id="17" dur="1000"/>
-                                        <p:tgtEl>
-                                          <p:spTgt spid="10"/>
-                                        </p:tgtEl>
-                                      </p:cBhvr>
-                                    </p:animEffect>
-                                    <p:anim calcmode="lin" valueType="num">
-                                      <p:cBhvr>
-                                        <p:cTn id="18" dur="1000" fill="hold"/>
-                                        <p:tgtEl>
-                                          <p:spTgt spid="10"/>
-                                        </p:tgtEl>
-                                        <p:attrNameLst>
-                                          <p:attrName>ppt_x</p:attrName>
-                                        </p:attrNameLst>
-                                      </p:cBhvr>
-                                      <p:tavLst>
-                                        <p:tav tm="0">
-                                          <p:val>
-                                            <p:strVal val="#ppt_x"/>
-                                          </p:val>
-                                        </p:tav>
-                                        <p:tav tm="100000">
-                                          <p:val>
-                                            <p:strVal val="#ppt_x"/>
-                                          </p:val>
-                                        </p:tav>
-                                      </p:tavLst>
-                                    </p:anim>
-                                    <p:anim calcmode="lin" valueType="num">
-                                      <p:cBhvr>
-                                        <p:cTn id="19" dur="1000" fill="hold"/>
-                                        <p:tgtEl>
-                                          <p:spTgt spid="10"/>
-                                        </p:tgtEl>
-                                        <p:attrNameLst>
-                                          <p:attrName>ppt_y</p:attrName>
-                                        </p:attrNameLst>
-                                      </p:cBhvr>
-                                      <p:tavLst>
-                                        <p:tav tm="0">
-                                          <p:val>
-                                            <p:strVal val="#ppt_y+.1"/>
-                                          </p:val>
-                                        </p:tav>
-                                        <p:tav tm="100000">
-                                          <p:val>
-                                            <p:strVal val="#ppt_y"/>
-                                          </p:val>
-                                        </p:tav>
-                                      </p:tavLst>
-                                    </p:anim>
-                                  </p:childTnLst>
-                                </p:cTn>
-                              </p:par>
-                              <p:par>
-                                <p:cTn id="20" presetID="42" presetClass="entr" presetSubtype="0" fill="hold" nodeType="withEffect">
-                                  <p:stCondLst>
-                                    <p:cond delay="0"/>
-                                  </p:stCondLst>
-                                  <p:childTnLst>
-                                    <p:set>
-                                      <p:cBhvr>
-                                        <p:cTn id="21" dur="1" fill="hold">
-                                          <p:stCondLst>
-                                            <p:cond delay="0"/>
-                                          </p:stCondLst>
-                                        </p:cTn>
-                                        <p:tgtEl>
-                                          <p:spTgt spid="11"/>
-                                        </p:tgtEl>
-                                        <p:attrNameLst>
-                                          <p:attrName>style.visibility</p:attrName>
-                                        </p:attrNameLst>
-                                      </p:cBhvr>
-                                      <p:to>
-                                        <p:strVal val="visible"/>
-                                      </p:to>
-                                    </p:set>
-                                    <p:animEffect transition="in" filter="fade">
-                                      <p:cBhvr>
-                                        <p:cTn id="22" dur="1000"/>
-                                        <p:tgtEl>
-                                          <p:spTgt spid="11"/>
-                                        </p:tgtEl>
-                                      </p:cBhvr>
-                                    </p:animEffect>
-                                    <p:anim calcmode="lin" valueType="num">
-                                      <p:cBhvr>
-                                        <p:cTn id="23" dur="1000" fill="hold"/>
-                                        <p:tgtEl>
-                                          <p:spTgt spid="11"/>
-                                        </p:tgtEl>
-                                        <p:attrNameLst>
-                                          <p:attrName>ppt_x</p:attrName>
-                                        </p:attrNameLst>
-                                      </p:cBhvr>
-                                      <p:tavLst>
-                                        <p:tav tm="0">
-                                          <p:val>
-                                            <p:strVal val="#ppt_x"/>
-                                          </p:val>
-                                        </p:tav>
-                                        <p:tav tm="100000">
-                                          <p:val>
-                                            <p:strVal val="#ppt_x"/>
-                                          </p:val>
-                                        </p:tav>
-                                      </p:tavLst>
-                                    </p:anim>
-                                    <p:anim calcmode="lin" valueType="num">
-                                      <p:cBhvr>
-                                        <p:cTn id="24" dur="1000" fill="hold"/>
-                                        <p:tgtEl>
-                                          <p:spTgt spid="11"/>
-                                        </p:tgtEl>
-                                        <p:attrNameLst>
-                                          <p:attrName>ppt_y</p:attrName>
-                                        </p:attrNameLst>
-                                      </p:cBhvr>
-                                      <p:tavLst>
-                                        <p:tav tm="0">
-                                          <p:val>
-                                            <p:strVal val="#ppt_y+.1"/>
-                                          </p:val>
-                                        </p:tav>
-                                        <p:tav tm="100000">
-                                          <p:val>
-                                            <p:strVal val="#ppt_y"/>
-                                          </p:val>
-                                        </p:tav>
-                                      </p:tavLst>
-                                    </p:anim>
-                                  </p:childTnLst>
-                                </p:cTn>
-                              </p:par>
-                              <p:par>
-                                <p:cTn id="25" presetID="42" presetClass="entr" presetSubtype="0" fill="hold" nodeType="withEffect">
-                                  <p:stCondLst>
-                                    <p:cond delay="0"/>
-                                  </p:stCondLst>
-                                  <p:childTnLst>
-                                    <p:set>
-                                      <p:cBhvr>
-                                        <p:cTn id="26" dur="1" fill="hold">
-                                          <p:stCondLst>
-                                            <p:cond delay="0"/>
-                                          </p:stCondLst>
-                                        </p:cTn>
-                                        <p:tgtEl>
-                                          <p:spTgt spid="12"/>
-                                        </p:tgtEl>
-                                        <p:attrNameLst>
-                                          <p:attrName>style.visibility</p:attrName>
-                                        </p:attrNameLst>
-                                      </p:cBhvr>
-                                      <p:to>
-                                        <p:strVal val="visible"/>
-                                      </p:to>
-                                    </p:set>
-                                    <p:animEffect transition="in" filter="fade">
-                                      <p:cBhvr>
-                                        <p:cTn id="27" dur="1000"/>
-                                        <p:tgtEl>
-                                          <p:spTgt spid="12"/>
-                                        </p:tgtEl>
-                                      </p:cBhvr>
-                                    </p:animEffect>
-                                    <p:anim calcmode="lin" valueType="num">
-                                      <p:cBhvr>
-                                        <p:cTn id="28" dur="1000" fill="hold"/>
-                                        <p:tgtEl>
-                                          <p:spTgt spid="12"/>
-                                        </p:tgtEl>
-                                        <p:attrNameLst>
-                                          <p:attrName>ppt_x</p:attrName>
-                                        </p:attrNameLst>
-                                      </p:cBhvr>
-                                      <p:tavLst>
-                                        <p:tav tm="0">
-                                          <p:val>
-                                            <p:strVal val="#ppt_x"/>
-                                          </p:val>
-                                        </p:tav>
-                                        <p:tav tm="100000">
-                                          <p:val>
-                                            <p:strVal val="#ppt_x"/>
-                                          </p:val>
-                                        </p:tav>
-                                      </p:tavLst>
-                                    </p:anim>
-                                    <p:anim calcmode="lin" valueType="num">
-                                      <p:cBhvr>
-                                        <p:cTn id="29" dur="1000" fill="hold"/>
-                                        <p:tgtEl>
-                                          <p:spTgt spid="12"/>
-                                        </p:tgtEl>
-                                        <p:attrNameLst>
-                                          <p:attrName>ppt_y</p:attrName>
-                                        </p:attrNameLst>
-                                      </p:cBhvr>
-                                      <p:tavLst>
-                                        <p:tav tm="0">
-                                          <p:val>
-                                            <p:strVal val="#ppt_y+.1"/>
-                                          </p:val>
-                                        </p:tav>
-                                        <p:tav tm="100000">
-                                          <p:val>
-                                            <p:strVal val="#ppt_y"/>
-                                          </p:val>
-                                        </p:tav>
-                                      </p:tavLst>
-                                    </p:anim>
-                                  </p:childTnLst>
-                                </p:cTn>
-                              </p:par>
-                              <p:par>
-                                <p:cTn id="30" presetID="42" presetClass="entr" presetSubtype="0" fill="hold" nodeType="withEffect">
-                                  <p:stCondLst>
-                                    <p:cond delay="0"/>
-                                  </p:stCondLst>
-                                  <p:childTnLst>
-                                    <p:set>
-                                      <p:cBhvr>
-                                        <p:cTn id="31" dur="1" fill="hold">
-                                          <p:stCondLst>
-                                            <p:cond delay="0"/>
-                                          </p:stCondLst>
-                                        </p:cTn>
-                                        <p:tgtEl>
-                                          <p:spTgt spid="13"/>
-                                        </p:tgtEl>
-                                        <p:attrNameLst>
-                                          <p:attrName>style.visibility</p:attrName>
-                                        </p:attrNameLst>
-                                      </p:cBhvr>
-                                      <p:to>
-                                        <p:strVal val="visible"/>
-                                      </p:to>
-                                    </p:set>
-                                    <p:animEffect transition="in" filter="fade">
-                                      <p:cBhvr>
-                                        <p:cTn id="32" dur="1000"/>
-                                        <p:tgtEl>
-                                          <p:spTgt spid="13"/>
-                                        </p:tgtEl>
-                                      </p:cBhvr>
-                                    </p:animEffect>
-                                    <p:anim calcmode="lin" valueType="num">
-                                      <p:cBhvr>
-                                        <p:cTn id="33" dur="1000" fill="hold"/>
-                                        <p:tgtEl>
-                                          <p:spTgt spid="13"/>
-                                        </p:tgtEl>
-                                        <p:attrNameLst>
-                                          <p:attrName>ppt_x</p:attrName>
-                                        </p:attrNameLst>
-                                      </p:cBhvr>
-                                      <p:tavLst>
-                                        <p:tav tm="0">
-                                          <p:val>
-                                            <p:strVal val="#ppt_x"/>
-                                          </p:val>
-                                        </p:tav>
-                                        <p:tav tm="100000">
-                                          <p:val>
-                                            <p:strVal val="#ppt_x"/>
-                                          </p:val>
-                                        </p:tav>
-                                      </p:tavLst>
-                                    </p:anim>
-                                    <p:anim calcmode="lin" valueType="num">
-                                      <p:cBhvr>
-                                        <p:cTn id="34" dur="1000" fill="hold"/>
-                                        <p:tgtEl>
-                                          <p:spTgt spid="13"/>
-                                        </p:tgtEl>
-                                        <p:attrNameLst>
-                                          <p:attrName>ppt_y</p:attrName>
-                                        </p:attrNameLst>
-                                      </p:cBhvr>
-                                      <p:tavLst>
-                                        <p:tav tm="0">
-                                          <p:val>
-                                            <p:strVal val="#ppt_y+.1"/>
-                                          </p:val>
-                                        </p:tav>
-                                        <p:tav tm="100000">
-                                          <p:val>
-                                            <p:strVal val="#ppt_y"/>
-                                          </p:val>
-                                        </p:tav>
-                                      </p:tavLst>
-                                    </p:anim>
-                                  </p:childTnLst>
-                                </p:cTn>
-                              </p:par>
-                              <p:par>
-                                <p:cTn id="35" presetID="42" presetClass="entr" presetSubtype="0" fill="hold" grpId="0" nodeType="withEffect">
-                                  <p:stCondLst>
-                                    <p:cond delay="0"/>
-                                  </p:stCondLst>
-                                  <p:childTnLst>
-                                    <p:set>
-                                      <p:cBhvr>
-                                        <p:cTn id="36" dur="1" fill="hold">
-                                          <p:stCondLst>
-                                            <p:cond delay="0"/>
-                                          </p:stCondLst>
-                                        </p:cTn>
-                                        <p:tgtEl>
-                                          <p:spTgt spid="2"/>
-                                        </p:tgtEl>
-                                        <p:attrNameLst>
-                                          <p:attrName>style.visibility</p:attrName>
-                                        </p:attrNameLst>
-                                      </p:cBhvr>
-                                      <p:to>
-                                        <p:strVal val="visible"/>
-                                      </p:to>
-                                    </p:set>
-                                    <p:animEffect transition="in" filter="fade">
-                                      <p:cBhvr>
-                                        <p:cTn id="37" dur="1000"/>
-                                        <p:tgtEl>
-                                          <p:spTgt spid="2"/>
-                                        </p:tgtEl>
-                                      </p:cBhvr>
-                                    </p:animEffect>
-                                    <p:anim calcmode="lin" valueType="num">
-                                      <p:cBhvr>
-                                        <p:cTn id="38" dur="1000" fill="hold"/>
-                                        <p:tgtEl>
-                                          <p:spTgt spid="2"/>
-                                        </p:tgtEl>
-                                        <p:attrNameLst>
-                                          <p:attrName>ppt_x</p:attrName>
-                                        </p:attrNameLst>
-                                      </p:cBhvr>
-                                      <p:tavLst>
-                                        <p:tav tm="0">
-                                          <p:val>
-                                            <p:strVal val="#ppt_x"/>
-                                          </p:val>
-                                        </p:tav>
-                                        <p:tav tm="100000">
-                                          <p:val>
-                                            <p:strVal val="#ppt_x"/>
-                                          </p:val>
-                                        </p:tav>
-                                      </p:tavLst>
-                                    </p:anim>
-                                    <p:anim calcmode="lin" valueType="num">
-                                      <p:cBhvr>
-                                        <p:cTn id="39" dur="1000" fill="hold"/>
-                                        <p:tgtEl>
-                                          <p:spTgt spid="2"/>
-                                        </p:tgtEl>
-                                        <p:attrNameLst>
-                                          <p:attrName>ppt_y</p:attrName>
-                                        </p:attrNameLst>
-                                      </p:cBhvr>
-                                      <p:tavLst>
-                                        <p:tav tm="0">
-                                          <p:val>
-                                            <p:strVal val="#ppt_y+.1"/>
-                                          </p:val>
-                                        </p:tav>
-                                        <p:tav tm="100000">
-                                          <p:val>
-                                            <p:strVal val="#ppt_y"/>
-                                          </p:val>
-                                        </p:tav>
-                                      </p:tavLst>
-                                    </p:anim>
-                                  </p:childTnLst>
-                                </p:cTn>
-                              </p:par>
-                            </p:childTnLst>
-                          </p:cTn>
-                        </p:par>
-                      </p:childTnLst>
-                    </p:cTn>
-                  </p:par>
-                </p:childTnLst>
-              </p:cTn>
-              <p:prevCondLst>
-                <p:cond evt="onPrev" delay="0">
-                  <p:tgtEl>
-                    <p:sldTgt/>
-                  </p:tgtEl>
-                </p:cond>
-              </p:prevCondLst>
-              <p:nextCondLst>
-                <p:cond evt="onNext" delay="0">
-                  <p:tgtEl>
-                    <p:sldTgt/>
-                  </p:tgtEl>
-                </p:cond>
-              </p:nextCondLst>
-            </p:seq>
-          </p:childTnLst>
-        </p:cTn>
-      </p:par>
-    </p:tnLst>
-    <p:bldLst>
-      <p:bldP spid="15" grpId="0" bldLvl="0" animBg="1"/>
-      <p:bldP spid="18" grpId="0"/>
-      <p:bldP spid="2" grpId="0" bldLvl="0" animBg="1"/>
-    </p:bldLst>
-  </p:timing>
-</p:sld>
-</file>
-
 <file path=ppt/slides/slide5.xml><?xml version="1.0" encoding="utf-8"?>
 <p:sld xmlns:a="http://schemas.openxmlformats.org/drawingml/2006/main" xmlns:r="http://schemas.openxmlformats.org/officeDocument/2006/relationships" xmlns:p="http://schemas.openxmlformats.org/presentationml/2006/main">
   <p:cSld>
@@ -22425,30 +21430,6 @@
   <p:tag name="KSO_WM_BEAUTIFY_FLAG" val="#wm#"/>
   <p:tag name="KSO_WM_TEMPLATE_CATEGORY" val="custom"/>
   <p:tag name="KSO_WM_TEMPLATE_INDEX" val="20184553"/>
-</p:tagLst>
-</file>
-
-<file path=ppt/tags/tag4.xml><?xml version="1.0" encoding="utf-8"?>
-<p:tagLst xmlns:a="http://schemas.openxmlformats.org/drawingml/2006/main" xmlns:r="http://schemas.openxmlformats.org/officeDocument/2006/relationships" xmlns:p="http://schemas.openxmlformats.org/presentationml/2006/main">
-  <p:tag name="KSO_WM_SLIDE_SUBTYPE" val="pureTxt"/>
-  <p:tag name="KSO_WM_TEMPLATE_TOPIC_DEFAULT" val="1"/>
-  <p:tag name="KSO_WM_TEMPLATE_JOB_ID" val="2"/>
-  <p:tag name="KSO_WM_TEMPLATE_SCENE_ID" val="1"/>
-  <p:tag name="KSO_WM_TEMPLATE_OUTLINE_ID" val="15"/>
-  <p:tag name="KSO_WM_TEMPLATE_TOPIC_ID" val="2869567"/>
-  <p:tag name="KSO_WM_SLIDE_SIZE" val="828*343"/>
-  <p:tag name="KSO_WM_SLIDE_POSITION" val="66*144"/>
-  <p:tag name="KSO_WM_BEAUTIFY_FLAG" val="#wm#"/>
-  <p:tag name="KSO_WM_SLIDE_TYPE" val="title"/>
-  <p:tag name="KSO_WM_SLIDE_LAYOUT_CNT" val="1_1"/>
-  <p:tag name="KSO_WM_SLIDE_LAYOUT" val="a_b"/>
-  <p:tag name="KSO_WM_SLIDE_ITEM_CNT" val="2"/>
-  <p:tag name="KSO_WM_SLIDE_INDEX" val="1"/>
-  <p:tag name="KSO_WM_SLIDE_ID" val="custom20184553_1"/>
-  <p:tag name="KSO_WM_TAG_VERSION" val="1.0"/>
-  <p:tag name="KSO_WM_TEMPLATE_INDEX" val="20184553"/>
-  <p:tag name="KSO_WM_TEMPLATE_CATEGORY" val="custom"/>
-  <p:tag name="KSO_WM_TEMPLATE_THUMBS_INDEX" val="1、6、10、14、20、26、27、28、29、31"/>
 </p:tagLst>
 </file>
 
